--- a/intro_to_vim/vim_tutorial.pptx
+++ b/intro_to_vim/vim_tutorial.pptx
@@ -192,6 +192,35 @@
 </p1510:revInfo>
 </file>
 
+<file path=ppt/changesInfos/changesInfo1.xml><?xml version="1.0" encoding="utf-8"?>
+<pc:chgInfo xmlns:a="http://schemas.openxmlformats.org/drawingml/2006/main" xmlns:r="http://schemas.openxmlformats.org/officeDocument/2006/relationships" xmlns:ac="http://schemas.microsoft.com/office/drawing/2013/main/command" xmlns:pc="http://schemas.microsoft.com/office/powerpoint/2013/main/command">
+  <pc:docChgLst>
+    <pc:chgData name="Abraham, Subil" userId="56b022d1-40f7-4093-85c4-91c4ba6d9c47" providerId="ADAL" clId="{D7CF8004-D248-9543-83AC-DAA6461E9073}"/>
+    <pc:docChg chg="modSld">
+      <pc:chgData name="Abraham, Subil" userId="56b022d1-40f7-4093-85c4-91c4ba6d9c47" providerId="ADAL" clId="{D7CF8004-D248-9543-83AC-DAA6461E9073}" dt="2021-12-06T16:27:28.032" v="0" actId="20577"/>
+      <pc:docMkLst>
+        <pc:docMk/>
+      </pc:docMkLst>
+      <pc:sldChg chg="modSp mod">
+        <pc:chgData name="Abraham, Subil" userId="56b022d1-40f7-4093-85c4-91c4ba6d9c47" providerId="ADAL" clId="{D7CF8004-D248-9543-83AC-DAA6461E9073}" dt="2021-12-06T16:27:28.032" v="0" actId="20577"/>
+        <pc:sldMkLst>
+          <pc:docMk/>
+          <pc:sldMk cId="1021231792" sldId="727"/>
+        </pc:sldMkLst>
+        <pc:spChg chg="mod">
+          <ac:chgData name="Abraham, Subil" userId="56b022d1-40f7-4093-85c4-91c4ba6d9c47" providerId="ADAL" clId="{D7CF8004-D248-9543-83AC-DAA6461E9073}" dt="2021-12-06T16:27:28.032" v="0" actId="20577"/>
+          <ac:spMkLst>
+            <pc:docMk/>
+            <pc:sldMk cId="1021231792" sldId="727"/>
+            <ac:spMk id="3" creationId="{002D09DB-0593-1D45-8D24-D99B939DEB6B}"/>
+          </ac:spMkLst>
+        </pc:spChg>
+      </pc:sldChg>
+    </pc:docChg>
+  </pc:docChgLst>
+</pc:chgInfo>
+</file>
+
 <file path=ppt/handoutMasters/handoutMaster1.xml><?xml version="1.0" encoding="utf-8"?>
 <p:handoutMaster xmlns:a="http://schemas.openxmlformats.org/drawingml/2006/main" xmlns:r="http://schemas.openxmlformats.org/officeDocument/2006/relationships" xmlns:p="http://schemas.openxmlformats.org/presentationml/2006/main">
   <p:cSld>
@@ -274,7 +303,7 @@
           <a:p>
             <a:fld id="{0B842F42-2CE9-4E35-95C1-410DC08A50B1}" type="datetimeFigureOut">
               <a:rPr lang="en-US" smtClean="0"/>
-              <a:t>11/29/21</a:t>
+              <a:t>12/6/21</a:t>
             </a:fld>
             <a:endParaRPr lang="en-US"/>
           </a:p>
@@ -439,7 +468,7 @@
           <a:p>
             <a:fld id="{6F282904-F315-4730-8D91-37D99E141A6F}" type="datetimeFigureOut">
               <a:rPr lang="en-US" smtClean="0"/>
-              <a:t>11/29/21</a:t>
+              <a:t>12/6/21</a:t>
             </a:fld>
             <a:endParaRPr lang="en-US"/>
           </a:p>
@@ -1426,7 +1455,7 @@
           <a:noFill/>
           <a:extLst>
             <a:ext uri="{909E8E84-426E-40dd-AFC4-6F175D3DCCD1}">
-              <a14:hiddenFill xmlns:a14="http://schemas.microsoft.com/office/drawing/2010/main" xmlns="">
+              <a14:hiddenFill xmlns="" xmlns:a14="http://schemas.microsoft.com/office/drawing/2010/main">
                 <a:solidFill>
                   <a:srgbClr val="FFFFFF"/>
                 </a:solidFill>
@@ -1640,7 +1669,7 @@
           <a:p>
             <a:fld id="{E34CD74F-6CCB-224F-86C9-31E8FC4F9F32}" type="datetimeFigureOut">
               <a:rPr lang="en-US" smtClean="0"/>
-              <a:t>11/29/21</a:t>
+              <a:t>12/6/21</a:t>
             </a:fld>
             <a:endParaRPr lang="en-US"/>
           </a:p>
@@ -2052,7 +2081,7 @@
           <a:p>
             <a:fld id="{E34CD74F-6CCB-224F-86C9-31E8FC4F9F32}" type="datetimeFigureOut">
               <a:rPr lang="en-US" smtClean="0"/>
-              <a:t>11/29/21</a:t>
+              <a:t>12/6/21</a:t>
             </a:fld>
             <a:endParaRPr lang="en-US"/>
           </a:p>
@@ -2193,7 +2222,7 @@
           <a:p>
             <a:fld id="{E34CD74F-6CCB-224F-86C9-31E8FC4F9F32}" type="datetimeFigureOut">
               <a:rPr lang="en-US" smtClean="0"/>
-              <a:t>11/29/21</a:t>
+              <a:t>12/6/21</a:t>
             </a:fld>
             <a:endParaRPr lang="en-US"/>
           </a:p>
@@ -2306,7 +2335,7 @@
           <a:p>
             <a:fld id="{E34CD74F-6CCB-224F-86C9-31E8FC4F9F32}" type="datetimeFigureOut">
               <a:rPr lang="en-US" smtClean="0"/>
-              <a:t>11/29/21</a:t>
+              <a:t>12/6/21</a:t>
             </a:fld>
             <a:endParaRPr lang="en-US"/>
           </a:p>
@@ -2617,7 +2646,7 @@
           <a:p>
             <a:fld id="{E34CD74F-6CCB-224F-86C9-31E8FC4F9F32}" type="datetimeFigureOut">
               <a:rPr lang="en-US" smtClean="0"/>
-              <a:t>11/29/21</a:t>
+              <a:t>12/6/21</a:t>
             </a:fld>
             <a:endParaRPr lang="en-US"/>
           </a:p>
@@ -2905,7 +2934,7 @@
           <a:p>
             <a:fld id="{E34CD74F-6CCB-224F-86C9-31E8FC4F9F32}" type="datetimeFigureOut">
               <a:rPr lang="en-US" smtClean="0"/>
-              <a:t>11/29/21</a:t>
+              <a:t>12/6/21</a:t>
             </a:fld>
             <a:endParaRPr lang="en-US"/>
           </a:p>
@@ -3103,7 +3132,7 @@
           <a:p>
             <a:fld id="{E34CD74F-6CCB-224F-86C9-31E8FC4F9F32}" type="datetimeFigureOut">
               <a:rPr lang="en-US" smtClean="0"/>
-              <a:t>11/29/21</a:t>
+              <a:t>12/6/21</a:t>
             </a:fld>
             <a:endParaRPr lang="en-US"/>
           </a:p>
@@ -3311,7 +3340,7 @@
           <a:p>
             <a:fld id="{E34CD74F-6CCB-224F-86C9-31E8FC4F9F32}" type="datetimeFigureOut">
               <a:rPr lang="en-US" smtClean="0"/>
-              <a:t>11/29/21</a:t>
+              <a:t>12/6/21</a:t>
             </a:fld>
             <a:endParaRPr lang="en-US"/>
           </a:p>
@@ -4241,7 +4270,7 @@
           <a:noFill/>
           <a:extLst>
             <a:ext uri="{909E8E84-426E-40dd-AFC4-6F175D3DCCD1}">
-              <a14:hiddenFill xmlns:a14="http://schemas.microsoft.com/office/drawing/2010/main" xmlns="">
+              <a14:hiddenFill xmlns="" xmlns:a14="http://schemas.microsoft.com/office/drawing/2010/main">
                 <a:solidFill>
                   <a:srgbClr val="FFFFFF"/>
                 </a:solidFill>
@@ -4362,7 +4391,7 @@
           <a:p>
             <a:fld id="{83D21A5F-A782-4E19-A2C2-3F5DE93587DD}" type="datetimeFigureOut">
               <a:rPr lang="en-US" smtClean="0"/>
-              <a:t>11/29/21</a:t>
+              <a:t>12/6/21</a:t>
             </a:fld>
             <a:endParaRPr lang="en-US"/>
           </a:p>
@@ -4807,7 +4836,7 @@
           <a:p>
             <a:fld id="{E34CD74F-6CCB-224F-86C9-31E8FC4F9F32}" type="datetimeFigureOut">
               <a:rPr lang="en-US" smtClean="0"/>
-              <a:t>11/29/21</a:t>
+              <a:t>12/6/21</a:t>
             </a:fld>
             <a:endParaRPr lang="en-US"/>
           </a:p>
@@ -5005,7 +5034,7 @@
           <a:p>
             <a:fld id="{E34CD74F-6CCB-224F-86C9-31E8FC4F9F32}" type="datetimeFigureOut">
               <a:rPr lang="en-US" smtClean="0"/>
-              <a:t>11/29/21</a:t>
+              <a:t>12/6/21</a:t>
             </a:fld>
             <a:endParaRPr lang="en-US"/>
           </a:p>
@@ -5280,7 +5309,7 @@
           <a:p>
             <a:fld id="{E34CD74F-6CCB-224F-86C9-31E8FC4F9F32}" type="datetimeFigureOut">
               <a:rPr lang="en-US" smtClean="0"/>
-              <a:t>11/29/21</a:t>
+              <a:t>12/6/21</a:t>
             </a:fld>
             <a:endParaRPr lang="en-US"/>
           </a:p>
@@ -5589,7 +5618,7 @@
           <a:noFill/>
           <a:extLst>
             <a:ext uri="{909E8E84-426E-40dd-AFC4-6F175D3DCCD1}">
-              <a14:hiddenFill xmlns:a14="http://schemas.microsoft.com/office/drawing/2010/main" xmlns="">
+              <a14:hiddenFill xmlns="" xmlns:a14="http://schemas.microsoft.com/office/drawing/2010/main">
                 <a:solidFill>
                   <a:srgbClr val="FFFFFF"/>
                 </a:solidFill>
@@ -6221,7 +6250,7 @@
           <a:p>
             <a:fld id="{E34CD74F-6CCB-224F-86C9-31E8FC4F9F32}" type="datetimeFigureOut">
               <a:rPr lang="en-US" smtClean="0"/>
-              <a:t>11/29/21</a:t>
+              <a:t>12/6/21</a:t>
             </a:fld>
             <a:endParaRPr lang="en-US"/>
           </a:p>
@@ -6974,15 +7003,15 @@
           <a:p>
             <a:r>
               <a:rPr lang="en-US" sz="2400" dirty="0"/>
-              <a:t>“Vim is a highly configurable text editor built to enable efficient text editing. It is an improved version of the vi editor </a:t>
-            </a:r>
-            <a:r>
-              <a:rPr lang="en-US" sz="2400" dirty="0" err="1"/>
-              <a:t>distributerd</a:t>
+              <a:t>“Vim is a highly configurable text editor built to enable efficient text editing. It is an improved version of the vi </a:t>
+            </a:r>
+            <a:r>
+              <a:rPr lang="en-US" sz="2400"/>
+              <a:t>editor distributed </a:t>
             </a:r>
             <a:r>
               <a:rPr lang="en-US" sz="2400" dirty="0"/>
-              <a:t> with most UNIX systems”</a:t>
+              <a:t>with most UNIX systems”</a:t>
             </a:r>
           </a:p>
           <a:p>
@@ -8714,6 +8743,15 @@
 </file>
 
 <file path=customXml/item2.xml><?xml version="1.0" encoding="utf-8"?>
+<?mso-contentType ?>
+<FormTemplates xmlns="http://schemas.microsoft.com/sharepoint/v3/contenttype/forms">
+  <Display>DocumentLibraryForm</Display>
+  <Edit>DocumentLibraryForm</Edit>
+  <New>DocumentLibraryForm</New>
+</FormTemplates>
+</file>
+
+<file path=customXml/item3.xml><?xml version="1.0" encoding="utf-8"?>
 <ct:contentTypeSchema xmlns:ct="http://schemas.microsoft.com/office/2006/metadata/contentType" xmlns:ma="http://schemas.microsoft.com/office/2006/metadata/properties/metaAttributes" ct:_="" ma:_="" ma:contentTypeName="Document" ma:contentTypeID="0x0101003975B17BC858B94FAA5409F11FF9B884" ma:contentTypeVersion="0" ma:contentTypeDescription="Create a new document." ma:contentTypeScope="" ma:versionID="ba30602e445ba7bd833ef2f532e4a594">
   <xsd:schema xmlns:xsd="http://www.w3.org/2001/XMLSchema" xmlns:xs="http://www.w3.org/2001/XMLSchema" xmlns:p="http://schemas.microsoft.com/office/2006/metadata/properties" targetNamespace="http://schemas.microsoft.com/office/2006/metadata/properties" ma:root="true" ma:fieldsID="c64490b4aec6201516c3a874156f37b2">
     <xsd:element name="properties">
@@ -8827,31 +8865,30 @@
 </ct:contentTypeSchema>
 </file>
 
-<file path=customXml/item3.xml><?xml version="1.0" encoding="utf-8"?>
-<?mso-contentType ?>
-<FormTemplates xmlns="http://schemas.microsoft.com/sharepoint/v3/contenttype/forms">
-  <Display>DocumentLibraryForm</Display>
-  <Edit>DocumentLibraryForm</Edit>
-  <New>DocumentLibraryForm</New>
-</FormTemplates>
-</file>
-
 <file path=customXml/itemProps1.xml><?xml version="1.0" encoding="utf-8"?>
 <ds:datastoreItem xmlns:ds="http://schemas.openxmlformats.org/officeDocument/2006/customXml" ds:itemID="{A50EC660-24D0-43A0-AE5E-E274115E726B}">
   <ds:schemaRefs>
+    <ds:schemaRef ds:uri="http://schemas.microsoft.com/office/2006/metadata/properties"/>
+    <ds:schemaRef ds:uri="http://schemas.microsoft.com/office/2006/documentManagement/types"/>
+    <ds:schemaRef ds:uri="http://purl.org/dc/terms/"/>
+    <ds:schemaRef ds:uri="http://schemas.microsoft.com/office/infopath/2007/PartnerControls"/>
+    <ds:schemaRef ds:uri="http://purl.org/dc/elements/1.1/"/>
+    <ds:schemaRef ds:uri="http://www.w3.org/XML/1998/namespace"/>
     <ds:schemaRef ds:uri="http://schemas.openxmlformats.org/package/2006/metadata/core-properties"/>
-    <ds:schemaRef ds:uri="http://schemas.microsoft.com/office/2006/metadata/properties"/>
     <ds:schemaRef ds:uri="http://purl.org/dc/dcmitype/"/>
-    <ds:schemaRef ds:uri="http://purl.org/dc/elements/1.1/"/>
-    <ds:schemaRef ds:uri="http://schemas.microsoft.com/office/infopath/2007/PartnerControls"/>
-    <ds:schemaRef ds:uri="http://schemas.microsoft.com/office/2006/documentManagement/types"/>
-    <ds:schemaRef ds:uri="http://www.w3.org/XML/1998/namespace"/>
-    <ds:schemaRef ds:uri="http://purl.org/dc/terms/"/>
   </ds:schemaRefs>
 </ds:datastoreItem>
 </file>
 
 <file path=customXml/itemProps2.xml><?xml version="1.0" encoding="utf-8"?>
+<ds:datastoreItem xmlns:ds="http://schemas.openxmlformats.org/officeDocument/2006/customXml" ds:itemID="{19E20559-B232-4371-8690-E3D8007EDB82}">
+  <ds:schemaRefs>
+    <ds:schemaRef ds:uri="http://schemas.microsoft.com/sharepoint/v3/contenttype/forms"/>
+  </ds:schemaRefs>
+</ds:datastoreItem>
+</file>
+
+<file path=customXml/itemProps3.xml><?xml version="1.0" encoding="utf-8"?>
 <ds:datastoreItem xmlns:ds="http://schemas.openxmlformats.org/officeDocument/2006/customXml" ds:itemID="{ACBB6CFE-4507-4B02-9220-33DC2E0B4692}">
   <ds:schemaRefs>
     <ds:schemaRef ds:uri="http://schemas.microsoft.com/office/2006/metadata/contentType"/>
@@ -8865,12 +8902,4 @@
     <ds:schemaRef ds:uri="http://schemas.microsoft.com/office/infopath/2007/PartnerControls"/>
   </ds:schemaRefs>
 </ds:datastoreItem>
-</file>
-
-<file path=customXml/itemProps3.xml><?xml version="1.0" encoding="utf-8"?>
-<ds:datastoreItem xmlns:ds="http://schemas.openxmlformats.org/officeDocument/2006/customXml" ds:itemID="{19E20559-B232-4371-8690-E3D8007EDB82}">
-  <ds:schemaRefs>
-    <ds:schemaRef ds:uri="http://schemas.microsoft.com/sharepoint/v3/contenttype/forms"/>
-  </ds:schemaRefs>
-</ds:datastoreItem>
 </file>
--- a/intro_to_vim/vim_tutorial.pptx
+++ b/intro_to_vim/vim_tutorial.pptx
@@ -197,7 +197,7 @@
   <pc:docChgLst>
     <pc:chgData name="Abraham, Subil" userId="56b022d1-40f7-4093-85c4-91c4ba6d9c47" providerId="ADAL" clId="{D7CF8004-D248-9543-83AC-DAA6461E9073}"/>
     <pc:docChg chg="modSld">
-      <pc:chgData name="Abraham, Subil" userId="56b022d1-40f7-4093-85c4-91c4ba6d9c47" providerId="ADAL" clId="{D7CF8004-D248-9543-83AC-DAA6461E9073}" dt="2021-12-06T16:27:28.032" v="0" actId="20577"/>
+      <pc:chgData name="Abraham, Subil" userId="56b022d1-40f7-4093-85c4-91c4ba6d9c47" providerId="ADAL" clId="{D7CF8004-D248-9543-83AC-DAA6461E9073}" dt="2021-12-14T14:50:23.135" v="119" actId="20577"/>
       <pc:docMkLst>
         <pc:docMk/>
       </pc:docMkLst>
@@ -212,6 +212,44 @@
           <ac:spMkLst>
             <pc:docMk/>
             <pc:sldMk cId="1021231792" sldId="727"/>
+            <ac:spMk id="3" creationId="{002D09DB-0593-1D45-8D24-D99B939DEB6B}"/>
+          </ac:spMkLst>
+        </pc:spChg>
+      </pc:sldChg>
+      <pc:sldChg chg="modSp mod">
+        <pc:chgData name="Abraham, Subil" userId="56b022d1-40f7-4093-85c4-91c4ba6d9c47" providerId="ADAL" clId="{D7CF8004-D248-9543-83AC-DAA6461E9073}" dt="2021-12-13T21:11:37.037" v="30" actId="1076"/>
+        <pc:sldMkLst>
+          <pc:docMk/>
+          <pc:sldMk cId="3536524621" sldId="728"/>
+        </pc:sldMkLst>
+        <pc:spChg chg="mod">
+          <ac:chgData name="Abraham, Subil" userId="56b022d1-40f7-4093-85c4-91c4ba6d9c47" providerId="ADAL" clId="{D7CF8004-D248-9543-83AC-DAA6461E9073}" dt="2021-12-13T21:11:37.037" v="30" actId="1076"/>
+          <ac:spMkLst>
+            <pc:docMk/>
+            <pc:sldMk cId="3536524621" sldId="728"/>
+            <ac:spMk id="2" creationId="{42C3F5B9-7DDC-8243-B20A-51FE7ACC2267}"/>
+          </ac:spMkLst>
+        </pc:spChg>
+        <pc:spChg chg="mod">
+          <ac:chgData name="Abraham, Subil" userId="56b022d1-40f7-4093-85c4-91c4ba6d9c47" providerId="ADAL" clId="{D7CF8004-D248-9543-83AC-DAA6461E9073}" dt="2021-12-13T21:11:30.825" v="29" actId="14100"/>
+          <ac:spMkLst>
+            <pc:docMk/>
+            <pc:sldMk cId="3536524621" sldId="728"/>
+            <ac:spMk id="3" creationId="{002D09DB-0593-1D45-8D24-D99B939DEB6B}"/>
+          </ac:spMkLst>
+        </pc:spChg>
+      </pc:sldChg>
+      <pc:sldChg chg="modSp mod">
+        <pc:chgData name="Abraham, Subil" userId="56b022d1-40f7-4093-85c4-91c4ba6d9c47" providerId="ADAL" clId="{D7CF8004-D248-9543-83AC-DAA6461E9073}" dt="2021-12-14T14:50:23.135" v="119" actId="20577"/>
+        <pc:sldMkLst>
+          <pc:docMk/>
+          <pc:sldMk cId="2220546592" sldId="729"/>
+        </pc:sldMkLst>
+        <pc:spChg chg="mod">
+          <ac:chgData name="Abraham, Subil" userId="56b022d1-40f7-4093-85c4-91c4ba6d9c47" providerId="ADAL" clId="{D7CF8004-D248-9543-83AC-DAA6461E9073}" dt="2021-12-14T14:50:23.135" v="119" actId="20577"/>
+          <ac:spMkLst>
+            <pc:docMk/>
+            <pc:sldMk cId="2220546592" sldId="729"/>
             <ac:spMk id="3" creationId="{002D09DB-0593-1D45-8D24-D99B939DEB6B}"/>
           </ac:spMkLst>
         </pc:spChg>
@@ -303,7 +341,7 @@
           <a:p>
             <a:fld id="{0B842F42-2CE9-4E35-95C1-410DC08A50B1}" type="datetimeFigureOut">
               <a:rPr lang="en-US" smtClean="0"/>
-              <a:t>12/6/21</a:t>
+              <a:t>12/13/21</a:t>
             </a:fld>
             <a:endParaRPr lang="en-US"/>
           </a:p>
@@ -468,7 +506,7 @@
           <a:p>
             <a:fld id="{6F282904-F315-4730-8D91-37D99E141A6F}" type="datetimeFigureOut">
               <a:rPr lang="en-US" smtClean="0"/>
-              <a:t>12/6/21</a:t>
+              <a:t>12/13/21</a:t>
             </a:fld>
             <a:endParaRPr lang="en-US"/>
           </a:p>
@@ -1455,7 +1493,7 @@
           <a:noFill/>
           <a:extLst>
             <a:ext uri="{909E8E84-426E-40dd-AFC4-6F175D3DCCD1}">
-              <a14:hiddenFill xmlns="" xmlns:a14="http://schemas.microsoft.com/office/drawing/2010/main">
+              <a14:hiddenFill xmlns:a14="http://schemas.microsoft.com/office/drawing/2010/main" xmlns="">
                 <a:solidFill>
                   <a:srgbClr val="FFFFFF"/>
                 </a:solidFill>
@@ -1669,7 +1707,7 @@
           <a:p>
             <a:fld id="{E34CD74F-6CCB-224F-86C9-31E8FC4F9F32}" type="datetimeFigureOut">
               <a:rPr lang="en-US" smtClean="0"/>
-              <a:t>12/6/21</a:t>
+              <a:t>12/13/21</a:t>
             </a:fld>
             <a:endParaRPr lang="en-US"/>
           </a:p>
@@ -2081,7 +2119,7 @@
           <a:p>
             <a:fld id="{E34CD74F-6CCB-224F-86C9-31E8FC4F9F32}" type="datetimeFigureOut">
               <a:rPr lang="en-US" smtClean="0"/>
-              <a:t>12/6/21</a:t>
+              <a:t>12/13/21</a:t>
             </a:fld>
             <a:endParaRPr lang="en-US"/>
           </a:p>
@@ -2222,7 +2260,7 @@
           <a:p>
             <a:fld id="{E34CD74F-6CCB-224F-86C9-31E8FC4F9F32}" type="datetimeFigureOut">
               <a:rPr lang="en-US" smtClean="0"/>
-              <a:t>12/6/21</a:t>
+              <a:t>12/13/21</a:t>
             </a:fld>
             <a:endParaRPr lang="en-US"/>
           </a:p>
@@ -2335,7 +2373,7 @@
           <a:p>
             <a:fld id="{E34CD74F-6CCB-224F-86C9-31E8FC4F9F32}" type="datetimeFigureOut">
               <a:rPr lang="en-US" smtClean="0"/>
-              <a:t>12/6/21</a:t>
+              <a:t>12/13/21</a:t>
             </a:fld>
             <a:endParaRPr lang="en-US"/>
           </a:p>
@@ -2646,7 +2684,7 @@
           <a:p>
             <a:fld id="{E34CD74F-6CCB-224F-86C9-31E8FC4F9F32}" type="datetimeFigureOut">
               <a:rPr lang="en-US" smtClean="0"/>
-              <a:t>12/6/21</a:t>
+              <a:t>12/13/21</a:t>
             </a:fld>
             <a:endParaRPr lang="en-US"/>
           </a:p>
@@ -2934,7 +2972,7 @@
           <a:p>
             <a:fld id="{E34CD74F-6CCB-224F-86C9-31E8FC4F9F32}" type="datetimeFigureOut">
               <a:rPr lang="en-US" smtClean="0"/>
-              <a:t>12/6/21</a:t>
+              <a:t>12/13/21</a:t>
             </a:fld>
             <a:endParaRPr lang="en-US"/>
           </a:p>
@@ -3132,7 +3170,7 @@
           <a:p>
             <a:fld id="{E34CD74F-6CCB-224F-86C9-31E8FC4F9F32}" type="datetimeFigureOut">
               <a:rPr lang="en-US" smtClean="0"/>
-              <a:t>12/6/21</a:t>
+              <a:t>12/13/21</a:t>
             </a:fld>
             <a:endParaRPr lang="en-US"/>
           </a:p>
@@ -3340,7 +3378,7 @@
           <a:p>
             <a:fld id="{E34CD74F-6CCB-224F-86C9-31E8FC4F9F32}" type="datetimeFigureOut">
               <a:rPr lang="en-US" smtClean="0"/>
-              <a:t>12/6/21</a:t>
+              <a:t>12/13/21</a:t>
             </a:fld>
             <a:endParaRPr lang="en-US"/>
           </a:p>
@@ -4270,7 +4308,7 @@
           <a:noFill/>
           <a:extLst>
             <a:ext uri="{909E8E84-426E-40dd-AFC4-6F175D3DCCD1}">
-              <a14:hiddenFill xmlns="" xmlns:a14="http://schemas.microsoft.com/office/drawing/2010/main">
+              <a14:hiddenFill xmlns:a14="http://schemas.microsoft.com/office/drawing/2010/main" xmlns="">
                 <a:solidFill>
                   <a:srgbClr val="FFFFFF"/>
                 </a:solidFill>
@@ -4391,7 +4429,7 @@
           <a:p>
             <a:fld id="{83D21A5F-A782-4E19-A2C2-3F5DE93587DD}" type="datetimeFigureOut">
               <a:rPr lang="en-US" smtClean="0"/>
-              <a:t>12/6/21</a:t>
+              <a:t>12/13/21</a:t>
             </a:fld>
             <a:endParaRPr lang="en-US"/>
           </a:p>
@@ -4836,7 +4874,7 @@
           <a:p>
             <a:fld id="{E34CD74F-6CCB-224F-86C9-31E8FC4F9F32}" type="datetimeFigureOut">
               <a:rPr lang="en-US" smtClean="0"/>
-              <a:t>12/6/21</a:t>
+              <a:t>12/13/21</a:t>
             </a:fld>
             <a:endParaRPr lang="en-US"/>
           </a:p>
@@ -5034,7 +5072,7 @@
           <a:p>
             <a:fld id="{E34CD74F-6CCB-224F-86C9-31E8FC4F9F32}" type="datetimeFigureOut">
               <a:rPr lang="en-US" smtClean="0"/>
-              <a:t>12/6/21</a:t>
+              <a:t>12/13/21</a:t>
             </a:fld>
             <a:endParaRPr lang="en-US"/>
           </a:p>
@@ -5309,7 +5347,7 @@
           <a:p>
             <a:fld id="{E34CD74F-6CCB-224F-86C9-31E8FC4F9F32}" type="datetimeFigureOut">
               <a:rPr lang="en-US" smtClean="0"/>
-              <a:t>12/6/21</a:t>
+              <a:t>12/13/21</a:t>
             </a:fld>
             <a:endParaRPr lang="en-US"/>
           </a:p>
@@ -5618,7 +5656,7 @@
           <a:noFill/>
           <a:extLst>
             <a:ext uri="{909E8E84-426E-40dd-AFC4-6F175D3DCCD1}">
-              <a14:hiddenFill xmlns="" xmlns:a14="http://schemas.microsoft.com/office/drawing/2010/main">
+              <a14:hiddenFill xmlns:a14="http://schemas.microsoft.com/office/drawing/2010/main" xmlns="">
                 <a:solidFill>
                   <a:srgbClr val="FFFFFF"/>
                 </a:solidFill>
@@ -6250,7 +6288,7 @@
           <a:p>
             <a:fld id="{E34CD74F-6CCB-224F-86C9-31E8FC4F9F32}" type="datetimeFigureOut">
               <a:rPr lang="en-US" smtClean="0"/>
-              <a:t>12/6/21</a:t>
+              <a:t>12/13/21</a:t>
             </a:fld>
             <a:endParaRPr lang="en-US"/>
           </a:p>
@@ -7139,7 +7177,7 @@
         </p:nvSpPr>
         <p:spPr>
           <a:xfrm>
-            <a:off x="344288" y="320040"/>
+            <a:off x="341104" y="320040"/>
             <a:ext cx="11422261" cy="510909"/>
           </a:xfrm>
         </p:spPr>
@@ -7173,7 +7211,7 @@
         <p:spPr>
           <a:xfrm>
             <a:off x="347472" y="1653161"/>
-            <a:ext cx="11419077" cy="3582228"/>
+            <a:ext cx="11419077" cy="1247694"/>
           </a:xfrm>
         </p:spPr>
         <p:txBody>
@@ -7182,13 +7220,13 @@
           <a:p>
             <a:r>
               <a:rPr lang="en-US" sz="2400" dirty="0"/>
-              <a:t>Available by default on all OLCF systems</a:t>
+              <a:t>Available by default on all OLCF systems </a:t>
             </a:r>
           </a:p>
           <a:p>
             <a:r>
               <a:rPr lang="en-US" sz="2400" dirty="0"/>
-              <a:t>Easily installable to your own laptop</a:t>
+              <a:t>Easily installable to your own laptop to edit your own files</a:t>
             </a:r>
             <a:endParaRPr lang="en-US" sz="2000" dirty="0"/>
           </a:p>
@@ -7322,7 +7360,7 @@
             </a:r>
           </a:p>
           <a:p>
-            <a:pPr marL="0" indent="0" algn="ctr">
+            <a:pPr marL="0" indent="0">
               <a:buNone/>
             </a:pPr>
             <a:br>
@@ -7332,37 +7370,45 @@
               <a:rPr lang="en-US" sz="1400" dirty="0">
                 <a:latin typeface="Andale Mono" panose="020B0509000000000004" pitchFamily="49" charset="0"/>
               </a:rPr>
-              <a:t>$ </a:t>
+              <a:t>$ cd </a:t>
             </a:r>
             <a:r>
               <a:rPr lang="en-US" sz="1400" dirty="0" err="1">
                 <a:latin typeface="Andale Mono" panose="020B0509000000000004" pitchFamily="49" charset="0"/>
               </a:rPr>
-              <a:t>wget</a:t>
+              <a:t>foundational_hpc_skills</a:t>
             </a:r>
             <a:r>
               <a:rPr lang="en-US" sz="1400" dirty="0">
                 <a:latin typeface="Andale Mono" panose="020B0509000000000004" pitchFamily="49" charset="0"/>
               </a:rPr>
-              <a:t> https://</a:t>
+              <a:t>/</a:t>
             </a:r>
             <a:r>
               <a:rPr lang="en-US" sz="1400" dirty="0" err="1">
                 <a:latin typeface="Andale Mono" panose="020B0509000000000004" pitchFamily="49" charset="0"/>
               </a:rPr>
-              <a:t>www.olcf.ornl.gov</a:t>
-            </a:r>
+              <a:t>intro_to_vim</a:t>
+            </a:r>
+            <a:endParaRPr lang="en-US" sz="1400" dirty="0">
+              <a:latin typeface="Andale Mono" panose="020B0509000000000004" pitchFamily="49" charset="0"/>
+            </a:endParaRPr>
+          </a:p>
+          <a:p>
+            <a:pPr marL="0" indent="0">
+              <a:buNone/>
+            </a:pPr>
             <a:r>
               <a:rPr lang="en-US" sz="1400" dirty="0">
                 <a:latin typeface="Andale Mono" panose="020B0509000000000004" pitchFamily="49" charset="0"/>
               </a:rPr>
-              <a:t>/wp-content/uploads/2018/06/</a:t>
+              <a:t>$ vim </a:t>
             </a:r>
             <a:r>
               <a:rPr lang="en-US" sz="1400" dirty="0" err="1">
                 <a:latin typeface="Andale Mono" panose="020B0509000000000004" pitchFamily="49" charset="0"/>
               </a:rPr>
-              <a:t>intro_vim_txt.txt</a:t>
+              <a:t>intro_vim_with_exercises.txt</a:t>
             </a:r>
             <a:endParaRPr lang="en-US" sz="1400" dirty="0">
               <a:latin typeface="Andale Mono" panose="020B0509000000000004" pitchFamily="49" charset="0"/>
@@ -8737,21 +8783,6 @@
 </file>
 
 <file path=customXml/item1.xml><?xml version="1.0" encoding="utf-8"?>
-<p:properties xmlns:p="http://schemas.microsoft.com/office/2006/metadata/properties" xmlns:xsi="http://www.w3.org/2001/XMLSchema-instance" xmlns:pc="http://schemas.microsoft.com/office/infopath/2007/PartnerControls">
-  <documentManagement/>
-</p:properties>
-</file>
-
-<file path=customXml/item2.xml><?xml version="1.0" encoding="utf-8"?>
-<?mso-contentType ?>
-<FormTemplates xmlns="http://schemas.microsoft.com/sharepoint/v3/contenttype/forms">
-  <Display>DocumentLibraryForm</Display>
-  <Edit>DocumentLibraryForm</Edit>
-  <New>DocumentLibraryForm</New>
-</FormTemplates>
-</file>
-
-<file path=customXml/item3.xml><?xml version="1.0" encoding="utf-8"?>
 <ct:contentTypeSchema xmlns:ct="http://schemas.microsoft.com/office/2006/metadata/contentType" xmlns:ma="http://schemas.microsoft.com/office/2006/metadata/properties/metaAttributes" ct:_="" ma:_="" ma:contentTypeName="Document" ma:contentTypeID="0x0101003975B17BC858B94FAA5409F11FF9B884" ma:contentTypeVersion="0" ma:contentTypeDescription="Create a new document." ma:contentTypeScope="" ma:versionID="ba30602e445ba7bd833ef2f532e4a594">
   <xsd:schema xmlns:xsd="http://www.w3.org/2001/XMLSchema" xmlns:xs="http://www.w3.org/2001/XMLSchema" xmlns:p="http://schemas.microsoft.com/office/2006/metadata/properties" targetNamespace="http://schemas.microsoft.com/office/2006/metadata/properties" ma:root="true" ma:fieldsID="c64490b4aec6201516c3a874156f37b2">
     <xsd:element name="properties">
@@ -8865,17 +8896,33 @@
 </ct:contentTypeSchema>
 </file>
 
+<file path=customXml/item2.xml><?xml version="1.0" encoding="utf-8"?>
+<?mso-contentType ?>
+<FormTemplates xmlns="http://schemas.microsoft.com/sharepoint/v3/contenttype/forms">
+  <Display>DocumentLibraryForm</Display>
+  <Edit>DocumentLibraryForm</Edit>
+  <New>DocumentLibraryForm</New>
+</FormTemplates>
+</file>
+
+<file path=customXml/item3.xml><?xml version="1.0" encoding="utf-8"?>
+<p:properties xmlns:p="http://schemas.microsoft.com/office/2006/metadata/properties" xmlns:xsi="http://www.w3.org/2001/XMLSchema-instance" xmlns:pc="http://schemas.microsoft.com/office/infopath/2007/PartnerControls">
+  <documentManagement/>
+</p:properties>
+</file>
+
 <file path=customXml/itemProps1.xml><?xml version="1.0" encoding="utf-8"?>
-<ds:datastoreItem xmlns:ds="http://schemas.openxmlformats.org/officeDocument/2006/customXml" ds:itemID="{A50EC660-24D0-43A0-AE5E-E274115E726B}">
+<ds:datastoreItem xmlns:ds="http://schemas.openxmlformats.org/officeDocument/2006/customXml" ds:itemID="{ACBB6CFE-4507-4B02-9220-33DC2E0B4692}">
   <ds:schemaRefs>
+    <ds:schemaRef ds:uri="http://schemas.microsoft.com/office/2006/metadata/contentType"/>
+    <ds:schemaRef ds:uri="http://schemas.microsoft.com/office/2006/metadata/properties/metaAttributes"/>
+    <ds:schemaRef ds:uri="http://www.w3.org/2001/XMLSchema"/>
     <ds:schemaRef ds:uri="http://schemas.microsoft.com/office/2006/metadata/properties"/>
-    <ds:schemaRef ds:uri="http://schemas.microsoft.com/office/2006/documentManagement/types"/>
+    <ds:schemaRef ds:uri="http://schemas.openxmlformats.org/package/2006/metadata/core-properties"/>
+    <ds:schemaRef ds:uri="http://purl.org/dc/elements/1.1/"/>
     <ds:schemaRef ds:uri="http://purl.org/dc/terms/"/>
+    <ds:schemaRef ds:uri="http://schemas.microsoft.com/internal/obd"/>
     <ds:schemaRef ds:uri="http://schemas.microsoft.com/office/infopath/2007/PartnerControls"/>
-    <ds:schemaRef ds:uri="http://purl.org/dc/elements/1.1/"/>
-    <ds:schemaRef ds:uri="http://www.w3.org/XML/1998/namespace"/>
-    <ds:schemaRef ds:uri="http://schemas.openxmlformats.org/package/2006/metadata/core-properties"/>
-    <ds:schemaRef ds:uri="http://purl.org/dc/dcmitype/"/>
   </ds:schemaRefs>
 </ds:datastoreItem>
 </file>
@@ -8889,17 +8936,16 @@
 </file>
 
 <file path=customXml/itemProps3.xml><?xml version="1.0" encoding="utf-8"?>
-<ds:datastoreItem xmlns:ds="http://schemas.openxmlformats.org/officeDocument/2006/customXml" ds:itemID="{ACBB6CFE-4507-4B02-9220-33DC2E0B4692}">
+<ds:datastoreItem xmlns:ds="http://schemas.openxmlformats.org/officeDocument/2006/customXml" ds:itemID="{A50EC660-24D0-43A0-AE5E-E274115E726B}">
   <ds:schemaRefs>
-    <ds:schemaRef ds:uri="http://schemas.microsoft.com/office/2006/metadata/contentType"/>
-    <ds:schemaRef ds:uri="http://schemas.microsoft.com/office/2006/metadata/properties/metaAttributes"/>
-    <ds:schemaRef ds:uri="http://www.w3.org/2001/XMLSchema"/>
+    <ds:schemaRef ds:uri="http://www.w3.org/XML/1998/namespace"/>
+    <ds:schemaRef ds:uri="http://schemas.microsoft.com/office/infopath/2007/PartnerControls"/>
     <ds:schemaRef ds:uri="http://schemas.microsoft.com/office/2006/metadata/properties"/>
+    <ds:schemaRef ds:uri="http://purl.org/dc/dcmitype/"/>
     <ds:schemaRef ds:uri="http://schemas.openxmlformats.org/package/2006/metadata/core-properties"/>
+    <ds:schemaRef ds:uri="http://purl.org/dc/terms/"/>
     <ds:schemaRef ds:uri="http://purl.org/dc/elements/1.1/"/>
-    <ds:schemaRef ds:uri="http://purl.org/dc/terms/"/>
-    <ds:schemaRef ds:uri="http://schemas.microsoft.com/internal/obd"/>
-    <ds:schemaRef ds:uri="http://schemas.microsoft.com/office/infopath/2007/PartnerControls"/>
+    <ds:schemaRef ds:uri="http://schemas.microsoft.com/office/2006/documentManagement/types"/>
   </ds:schemaRefs>
 </ds:datastoreItem>
 </file>
--- a/intro_to_vim/vim_tutorial.pptx
+++ b/intro_to_vim/vim_tutorial.pptx
@@ -187,13 +187,37 @@
 <file path=ppt/revisionInfo.xml><?xml version="1.0" encoding="utf-8"?>
 <p1510:revInfo xmlns:a="http://schemas.openxmlformats.org/drawingml/2006/main" xmlns:r="http://schemas.openxmlformats.org/officeDocument/2006/relationships" xmlns:p1510="http://schemas.microsoft.com/office/powerpoint/2015/10/main">
   <p1510:revLst>
-    <p1510:client id="{D7CF8004-D248-9543-83AC-DAA6461E9073}" v="8" dt="2021-12-01T19:33:38.869"/>
+    <p1510:client id="{E77A123E-9979-4146-A76F-1D3F53E953DD}" v="2" dt="2022-01-04T20:26:28.014"/>
   </p1510:revLst>
 </p1510:revInfo>
 </file>
 
 <file path=ppt/changesInfos/changesInfo1.xml><?xml version="1.0" encoding="utf-8"?>
 <pc:chgInfo xmlns:a="http://schemas.openxmlformats.org/drawingml/2006/main" xmlns:r="http://schemas.openxmlformats.org/officeDocument/2006/relationships" xmlns:ac="http://schemas.microsoft.com/office/drawing/2013/main/command" xmlns:pc="http://schemas.microsoft.com/office/powerpoint/2013/main/command">
+  <pc:docChgLst>
+    <pc:chgData name="Abraham, Subil" userId="56b022d1-40f7-4093-85c4-91c4ba6d9c47" providerId="ADAL" clId="{E77A123E-9979-4146-A76F-1D3F53E953DD}"/>
+    <pc:docChg chg="modSld">
+      <pc:chgData name="Abraham, Subil" userId="56b022d1-40f7-4093-85c4-91c4ba6d9c47" providerId="ADAL" clId="{E77A123E-9979-4146-A76F-1D3F53E953DD}" dt="2022-01-04T20:27:43.179" v="240" actId="20577"/>
+      <pc:docMkLst>
+        <pc:docMk/>
+      </pc:docMkLst>
+      <pc:sldChg chg="modSp mod">
+        <pc:chgData name="Abraham, Subil" userId="56b022d1-40f7-4093-85c4-91c4ba6d9c47" providerId="ADAL" clId="{E77A123E-9979-4146-A76F-1D3F53E953DD}" dt="2022-01-04T20:27:43.179" v="240" actId="20577"/>
+        <pc:sldMkLst>
+          <pc:docMk/>
+          <pc:sldMk cId="776080161" sldId="730"/>
+        </pc:sldMkLst>
+        <pc:spChg chg="mod">
+          <ac:chgData name="Abraham, Subil" userId="56b022d1-40f7-4093-85c4-91c4ba6d9c47" providerId="ADAL" clId="{E77A123E-9979-4146-A76F-1D3F53E953DD}" dt="2022-01-04T20:27:43.179" v="240" actId="20577"/>
+          <ac:spMkLst>
+            <pc:docMk/>
+            <pc:sldMk cId="776080161" sldId="730"/>
+            <ac:spMk id="3" creationId="{002D09DB-0593-1D45-8D24-D99B939DEB6B}"/>
+          </ac:spMkLst>
+        </pc:spChg>
+      </pc:sldChg>
+    </pc:docChg>
+  </pc:docChgLst>
   <pc:docChgLst>
     <pc:chgData name="Abraham, Subil" userId="56b022d1-40f7-4093-85c4-91c4ba6d9c47" providerId="ADAL" clId="{D7CF8004-D248-9543-83AC-DAA6461E9073}"/>
     <pc:docChg chg="modSld">
@@ -341,7 +365,7 @@
           <a:p>
             <a:fld id="{0B842F42-2CE9-4E35-95C1-410DC08A50B1}" type="datetimeFigureOut">
               <a:rPr lang="en-US" smtClean="0"/>
-              <a:t>12/13/21</a:t>
+              <a:t>1/4/22</a:t>
             </a:fld>
             <a:endParaRPr lang="en-US"/>
           </a:p>
@@ -506,7 +530,7 @@
           <a:p>
             <a:fld id="{6F282904-F315-4730-8D91-37D99E141A6F}" type="datetimeFigureOut">
               <a:rPr lang="en-US" smtClean="0"/>
-              <a:t>12/13/21</a:t>
+              <a:t>1/4/22</a:t>
             </a:fld>
             <a:endParaRPr lang="en-US"/>
           </a:p>
@@ -1493,7 +1517,7 @@
           <a:noFill/>
           <a:extLst>
             <a:ext uri="{909E8E84-426E-40dd-AFC4-6F175D3DCCD1}">
-              <a14:hiddenFill xmlns:a14="http://schemas.microsoft.com/office/drawing/2010/main" xmlns="">
+              <a14:hiddenFill xmlns="" xmlns:a14="http://schemas.microsoft.com/office/drawing/2010/main">
                 <a:solidFill>
                   <a:srgbClr val="FFFFFF"/>
                 </a:solidFill>
@@ -1707,7 +1731,7 @@
           <a:p>
             <a:fld id="{E34CD74F-6CCB-224F-86C9-31E8FC4F9F32}" type="datetimeFigureOut">
               <a:rPr lang="en-US" smtClean="0"/>
-              <a:t>12/13/21</a:t>
+              <a:t>1/4/22</a:t>
             </a:fld>
             <a:endParaRPr lang="en-US"/>
           </a:p>
@@ -2119,7 +2143,7 @@
           <a:p>
             <a:fld id="{E34CD74F-6CCB-224F-86C9-31E8FC4F9F32}" type="datetimeFigureOut">
               <a:rPr lang="en-US" smtClean="0"/>
-              <a:t>12/13/21</a:t>
+              <a:t>1/4/22</a:t>
             </a:fld>
             <a:endParaRPr lang="en-US"/>
           </a:p>
@@ -2260,7 +2284,7 @@
           <a:p>
             <a:fld id="{E34CD74F-6CCB-224F-86C9-31E8FC4F9F32}" type="datetimeFigureOut">
               <a:rPr lang="en-US" smtClean="0"/>
-              <a:t>12/13/21</a:t>
+              <a:t>1/4/22</a:t>
             </a:fld>
             <a:endParaRPr lang="en-US"/>
           </a:p>
@@ -2373,7 +2397,7 @@
           <a:p>
             <a:fld id="{E34CD74F-6CCB-224F-86C9-31E8FC4F9F32}" type="datetimeFigureOut">
               <a:rPr lang="en-US" smtClean="0"/>
-              <a:t>12/13/21</a:t>
+              <a:t>1/4/22</a:t>
             </a:fld>
             <a:endParaRPr lang="en-US"/>
           </a:p>
@@ -2684,7 +2708,7 @@
           <a:p>
             <a:fld id="{E34CD74F-6CCB-224F-86C9-31E8FC4F9F32}" type="datetimeFigureOut">
               <a:rPr lang="en-US" smtClean="0"/>
-              <a:t>12/13/21</a:t>
+              <a:t>1/4/22</a:t>
             </a:fld>
             <a:endParaRPr lang="en-US"/>
           </a:p>
@@ -2972,7 +2996,7 @@
           <a:p>
             <a:fld id="{E34CD74F-6CCB-224F-86C9-31E8FC4F9F32}" type="datetimeFigureOut">
               <a:rPr lang="en-US" smtClean="0"/>
-              <a:t>12/13/21</a:t>
+              <a:t>1/4/22</a:t>
             </a:fld>
             <a:endParaRPr lang="en-US"/>
           </a:p>
@@ -3170,7 +3194,7 @@
           <a:p>
             <a:fld id="{E34CD74F-6CCB-224F-86C9-31E8FC4F9F32}" type="datetimeFigureOut">
               <a:rPr lang="en-US" smtClean="0"/>
-              <a:t>12/13/21</a:t>
+              <a:t>1/4/22</a:t>
             </a:fld>
             <a:endParaRPr lang="en-US"/>
           </a:p>
@@ -3378,7 +3402,7 @@
           <a:p>
             <a:fld id="{E34CD74F-6CCB-224F-86C9-31E8FC4F9F32}" type="datetimeFigureOut">
               <a:rPr lang="en-US" smtClean="0"/>
-              <a:t>12/13/21</a:t>
+              <a:t>1/4/22</a:t>
             </a:fld>
             <a:endParaRPr lang="en-US"/>
           </a:p>
@@ -4308,7 +4332,7 @@
           <a:noFill/>
           <a:extLst>
             <a:ext uri="{909E8E84-426E-40dd-AFC4-6F175D3DCCD1}">
-              <a14:hiddenFill xmlns:a14="http://schemas.microsoft.com/office/drawing/2010/main" xmlns="">
+              <a14:hiddenFill xmlns="" xmlns:a14="http://schemas.microsoft.com/office/drawing/2010/main">
                 <a:solidFill>
                   <a:srgbClr val="FFFFFF"/>
                 </a:solidFill>
@@ -4429,7 +4453,7 @@
           <a:p>
             <a:fld id="{83D21A5F-A782-4E19-A2C2-3F5DE93587DD}" type="datetimeFigureOut">
               <a:rPr lang="en-US" smtClean="0"/>
-              <a:t>12/13/21</a:t>
+              <a:t>1/4/22</a:t>
             </a:fld>
             <a:endParaRPr lang="en-US"/>
           </a:p>
@@ -4874,7 +4898,7 @@
           <a:p>
             <a:fld id="{E34CD74F-6CCB-224F-86C9-31E8FC4F9F32}" type="datetimeFigureOut">
               <a:rPr lang="en-US" smtClean="0"/>
-              <a:t>12/13/21</a:t>
+              <a:t>1/4/22</a:t>
             </a:fld>
             <a:endParaRPr lang="en-US"/>
           </a:p>
@@ -5072,7 +5096,7 @@
           <a:p>
             <a:fld id="{E34CD74F-6CCB-224F-86C9-31E8FC4F9F32}" type="datetimeFigureOut">
               <a:rPr lang="en-US" smtClean="0"/>
-              <a:t>12/13/21</a:t>
+              <a:t>1/4/22</a:t>
             </a:fld>
             <a:endParaRPr lang="en-US"/>
           </a:p>
@@ -5347,7 +5371,7 @@
           <a:p>
             <a:fld id="{E34CD74F-6CCB-224F-86C9-31E8FC4F9F32}" type="datetimeFigureOut">
               <a:rPr lang="en-US" smtClean="0"/>
-              <a:t>12/13/21</a:t>
+              <a:t>1/4/22</a:t>
             </a:fld>
             <a:endParaRPr lang="en-US"/>
           </a:p>
@@ -5656,7 +5680,7 @@
           <a:noFill/>
           <a:extLst>
             <a:ext uri="{909E8E84-426E-40dd-AFC4-6F175D3DCCD1}">
-              <a14:hiddenFill xmlns:a14="http://schemas.microsoft.com/office/drawing/2010/main" xmlns="">
+              <a14:hiddenFill xmlns="" xmlns:a14="http://schemas.microsoft.com/office/drawing/2010/main">
                 <a:solidFill>
                   <a:srgbClr val="FFFFFF"/>
                 </a:solidFill>
@@ -6288,7 +6312,7 @@
           <a:p>
             <a:fld id="{E34CD74F-6CCB-224F-86C9-31E8FC4F9F32}" type="datetimeFigureOut">
               <a:rPr lang="en-US" smtClean="0"/>
-              <a:t>12/13/21</a:t>
+              <a:t>1/4/22</a:t>
             </a:fld>
             <a:endParaRPr lang="en-US"/>
           </a:p>
@@ -7544,7 +7568,38 @@
               <a:rPr lang="en-US" sz="2400" dirty="0"/>
               <a:t>Help reference in Vim: `:help`</a:t>
             </a:r>
-            <a:endParaRPr lang="en-US" sz="2000" dirty="0"/>
+          </a:p>
+          <a:p>
+            <a:r>
+              <a:rPr lang="en-US" sz="2400" dirty="0" err="1"/>
+              <a:t>Cheatsheet</a:t>
+            </a:r>
+            <a:r>
+              <a:rPr lang="en-US" sz="2400" dirty="0"/>
+              <a:t>: </a:t>
+            </a:r>
+            <a:r>
+              <a:rPr lang="en-US" sz="2400" dirty="0">
+                <a:hlinkClick r:id="rId4"/>
+              </a:rPr>
+              <a:t>https://vimsheet.com/</a:t>
+            </a:r>
+            <a:endParaRPr lang="en-US" sz="2400" dirty="0"/>
+          </a:p>
+          <a:p>
+            <a:pPr lvl="1"/>
+            <a:r>
+              <a:rPr lang="en-US" sz="1600" dirty="0"/>
+              <a:t>There are many </a:t>
+            </a:r>
+            <a:r>
+              <a:rPr lang="en-US" sz="1600" dirty="0" err="1"/>
+              <a:t>cheatsheets</a:t>
+            </a:r>
+            <a:r>
+              <a:rPr lang="en-US" sz="1600" dirty="0"/>
+              <a:t> online so later pick whichever you find most useful.</a:t>
+            </a:r>
           </a:p>
         </p:txBody>
       </p:sp>
@@ -8783,6 +8838,15 @@
 </file>
 
 <file path=customXml/item1.xml><?xml version="1.0" encoding="utf-8"?>
+<?mso-contentType ?>
+<FormTemplates xmlns="http://schemas.microsoft.com/sharepoint/v3/contenttype/forms">
+  <Display>DocumentLibraryForm</Display>
+  <Edit>DocumentLibraryForm</Edit>
+  <New>DocumentLibraryForm</New>
+</FormTemplates>
+</file>
+
+<file path=customXml/item2.xml><?xml version="1.0" encoding="utf-8"?>
 <ct:contentTypeSchema xmlns:ct="http://schemas.microsoft.com/office/2006/metadata/contentType" xmlns:ma="http://schemas.microsoft.com/office/2006/metadata/properties/metaAttributes" ct:_="" ma:_="" ma:contentTypeName="Document" ma:contentTypeID="0x0101003975B17BC858B94FAA5409F11FF9B884" ma:contentTypeVersion="0" ma:contentTypeDescription="Create a new document." ma:contentTypeScope="" ma:versionID="ba30602e445ba7bd833ef2f532e4a594">
   <xsd:schema xmlns:xsd="http://www.w3.org/2001/XMLSchema" xmlns:xs="http://www.w3.org/2001/XMLSchema" xmlns:p="http://schemas.microsoft.com/office/2006/metadata/properties" targetNamespace="http://schemas.microsoft.com/office/2006/metadata/properties" ma:root="true" ma:fieldsID="c64490b4aec6201516c3a874156f37b2">
     <xsd:element name="properties">
@@ -8896,15 +8960,6 @@
 </ct:contentTypeSchema>
 </file>
 
-<file path=customXml/item2.xml><?xml version="1.0" encoding="utf-8"?>
-<?mso-contentType ?>
-<FormTemplates xmlns="http://schemas.microsoft.com/sharepoint/v3/contenttype/forms">
-  <Display>DocumentLibraryForm</Display>
-  <Edit>DocumentLibraryForm</Edit>
-  <New>DocumentLibraryForm</New>
-</FormTemplates>
-</file>
-
 <file path=customXml/item3.xml><?xml version="1.0" encoding="utf-8"?>
 <p:properties xmlns:p="http://schemas.microsoft.com/office/2006/metadata/properties" xmlns:xsi="http://www.w3.org/2001/XMLSchema-instance" xmlns:pc="http://schemas.microsoft.com/office/infopath/2007/PartnerControls">
   <documentManagement/>
@@ -8912,6 +8967,14 @@
 </file>
 
 <file path=customXml/itemProps1.xml><?xml version="1.0" encoding="utf-8"?>
+<ds:datastoreItem xmlns:ds="http://schemas.openxmlformats.org/officeDocument/2006/customXml" ds:itemID="{19E20559-B232-4371-8690-E3D8007EDB82}">
+  <ds:schemaRefs>
+    <ds:schemaRef ds:uri="http://schemas.microsoft.com/sharepoint/v3/contenttype/forms"/>
+  </ds:schemaRefs>
+</ds:datastoreItem>
+</file>
+
+<file path=customXml/itemProps2.xml><?xml version="1.0" encoding="utf-8"?>
 <ds:datastoreItem xmlns:ds="http://schemas.openxmlformats.org/officeDocument/2006/customXml" ds:itemID="{ACBB6CFE-4507-4B02-9220-33DC2E0B4692}">
   <ds:schemaRefs>
     <ds:schemaRef ds:uri="http://schemas.microsoft.com/office/2006/metadata/contentType"/>
@@ -8927,25 +8990,17 @@
 </ds:datastoreItem>
 </file>
 
-<file path=customXml/itemProps2.xml><?xml version="1.0" encoding="utf-8"?>
-<ds:datastoreItem xmlns:ds="http://schemas.openxmlformats.org/officeDocument/2006/customXml" ds:itemID="{19E20559-B232-4371-8690-E3D8007EDB82}">
-  <ds:schemaRefs>
-    <ds:schemaRef ds:uri="http://schemas.microsoft.com/sharepoint/v3/contenttype/forms"/>
-  </ds:schemaRefs>
-</ds:datastoreItem>
-</file>
-
 <file path=customXml/itemProps3.xml><?xml version="1.0" encoding="utf-8"?>
 <ds:datastoreItem xmlns:ds="http://schemas.openxmlformats.org/officeDocument/2006/customXml" ds:itemID="{A50EC660-24D0-43A0-AE5E-E274115E726B}">
   <ds:schemaRefs>
-    <ds:schemaRef ds:uri="http://www.w3.org/XML/1998/namespace"/>
+    <ds:schemaRef ds:uri="http://purl.org/dc/dcmitype/"/>
+    <ds:schemaRef ds:uri="http://purl.org/dc/terms/"/>
+    <ds:schemaRef ds:uri="http://schemas.microsoft.com/office/2006/documentManagement/types"/>
     <ds:schemaRef ds:uri="http://schemas.microsoft.com/office/infopath/2007/PartnerControls"/>
     <ds:schemaRef ds:uri="http://schemas.microsoft.com/office/2006/metadata/properties"/>
-    <ds:schemaRef ds:uri="http://purl.org/dc/dcmitype/"/>
+    <ds:schemaRef ds:uri="http://purl.org/dc/elements/1.1/"/>
     <ds:schemaRef ds:uri="http://schemas.openxmlformats.org/package/2006/metadata/core-properties"/>
-    <ds:schemaRef ds:uri="http://purl.org/dc/terms/"/>
-    <ds:schemaRef ds:uri="http://purl.org/dc/elements/1.1/"/>
-    <ds:schemaRef ds:uri="http://schemas.microsoft.com/office/2006/documentManagement/types"/>
+    <ds:schemaRef ds:uri="http://www.w3.org/XML/1998/namespace"/>
   </ds:schemaRefs>
 </ds:datastoreItem>
 </file>